--- a/Pong Game (1).pptx
+++ b/Pong Game (1).pptx
@@ -119,707 +119,6 @@
     <p1510:client id="{BEE0BC10-BEA7-4EC0-AD68-DE157CB9AFF9}" v="4" dt="2020-12-04T18:32:20.662"/>
   </p1510:revLst>
 </p1510:revInfo>
-</file>
-
-<file path=ppt/changesInfos/changesInfo1.xml><?xml version="1.0" encoding="utf-8"?>
-<pc:chgInfo xmlns:a="http://schemas.openxmlformats.org/drawingml/2006/main" xmlns:r="http://schemas.openxmlformats.org/officeDocument/2006/relationships" xmlns:ac="http://schemas.microsoft.com/office/drawing/2013/main/command" xmlns:pc="http://schemas.microsoft.com/office/powerpoint/2013/main/command">
-  <pc:docChgLst>
-    <pc:chgData name="Tj Martin" userId="S::tmarti84@students.kennesaw.edu::777044bd-4d78-407f-bc0b-251682eb0781" providerId="AD" clId="Web-{4EC8013A-3BD6-48B5-8193-4C2CDF8D6EA7}"/>
-    <pc:docChg chg="modSld">
-      <pc:chgData name="Tj Martin" userId="S::tmarti84@students.kennesaw.edu::777044bd-4d78-407f-bc0b-251682eb0781" providerId="AD" clId="Web-{4EC8013A-3BD6-48B5-8193-4C2CDF8D6EA7}" dt="2020-12-04T18:43:51.621" v="10" actId="20577"/>
-      <pc:docMkLst>
-        <pc:docMk/>
-      </pc:docMkLst>
-      <pc:sldChg chg="modSp">
-        <pc:chgData name="Tj Martin" userId="S::tmarti84@students.kennesaw.edu::777044bd-4d78-407f-bc0b-251682eb0781" providerId="AD" clId="Web-{4EC8013A-3BD6-48B5-8193-4C2CDF8D6EA7}" dt="2020-12-04T18:43:51.090" v="8" actId="20577"/>
-        <pc:sldMkLst>
-          <pc:docMk/>
-          <pc:sldMk cId="1316745424" sldId="256"/>
-        </pc:sldMkLst>
-        <pc:spChg chg="mod">
-          <ac:chgData name="Tj Martin" userId="S::tmarti84@students.kennesaw.edu::777044bd-4d78-407f-bc0b-251682eb0781" providerId="AD" clId="Web-{4EC8013A-3BD6-48B5-8193-4C2CDF8D6EA7}" dt="2020-12-04T18:43:51.090" v="8" actId="20577"/>
-          <ac:spMkLst>
-            <pc:docMk/>
-            <pc:sldMk cId="1316745424" sldId="256"/>
-            <ac:spMk id="3" creationId="{73BFDA42-536D-4E6A-A180-3EDB5163EC7F}"/>
-          </ac:spMkLst>
-        </pc:spChg>
-      </pc:sldChg>
-    </pc:docChg>
-  </pc:docChgLst>
-  <pc:docChgLst>
-    <pc:chgData name="Taylor Harbin" userId="S::tharbin3@students.kennesaw.edu::6c16d6ec-fd43-4e1c-a397-5e8e05eb50f6" providerId="AD" clId="Web-{BEE0BC10-BEA7-4EC0-AD68-DE157CB9AFF9}"/>
-    <pc:docChg chg="modSld">
-      <pc:chgData name="Taylor Harbin" userId="S::tharbin3@students.kennesaw.edu::6c16d6ec-fd43-4e1c-a397-5e8e05eb50f6" providerId="AD" clId="Web-{BEE0BC10-BEA7-4EC0-AD68-DE157CB9AFF9}" dt="2020-12-04T18:33:46.616" v="33"/>
-      <pc:docMkLst>
-        <pc:docMk/>
-      </pc:docMkLst>
-      <pc:sldChg chg="addSp delSp modSp">
-        <pc:chgData name="Taylor Harbin" userId="S::tharbin3@students.kennesaw.edu::6c16d6ec-fd43-4e1c-a397-5e8e05eb50f6" providerId="AD" clId="Web-{BEE0BC10-BEA7-4EC0-AD68-DE157CB9AFF9}" dt="2020-12-04T18:33:46.616" v="33"/>
-        <pc:sldMkLst>
-          <pc:docMk/>
-          <pc:sldMk cId="1316745424" sldId="256"/>
-        </pc:sldMkLst>
-        <pc:spChg chg="mod">
-          <ac:chgData name="Taylor Harbin" userId="S::tharbin3@students.kennesaw.edu::6c16d6ec-fd43-4e1c-a397-5e8e05eb50f6" providerId="AD" clId="Web-{BEE0BC10-BEA7-4EC0-AD68-DE157CB9AFF9}" dt="2020-12-04T18:33:46.616" v="33"/>
-          <ac:spMkLst>
-            <pc:docMk/>
-            <pc:sldMk cId="1316745424" sldId="256"/>
-            <ac:spMk id="2" creationId="{51D83635-1D22-4701-B9F3-4F1CDEF5D7D3}"/>
-          </ac:spMkLst>
-        </pc:spChg>
-        <pc:spChg chg="mod">
-          <ac:chgData name="Taylor Harbin" userId="S::tharbin3@students.kennesaw.edu::6c16d6ec-fd43-4e1c-a397-5e8e05eb50f6" providerId="AD" clId="Web-{BEE0BC10-BEA7-4EC0-AD68-DE157CB9AFF9}" dt="2020-12-04T18:33:46.616" v="33"/>
-          <ac:spMkLst>
-            <pc:docMk/>
-            <pc:sldMk cId="1316745424" sldId="256"/>
-            <ac:spMk id="3" creationId="{73BFDA42-536D-4E6A-A180-3EDB5163EC7F}"/>
-          </ac:spMkLst>
-        </pc:spChg>
-        <pc:spChg chg="add del">
-          <ac:chgData name="Taylor Harbin" userId="S::tharbin3@students.kennesaw.edu::6c16d6ec-fd43-4e1c-a397-5e8e05eb50f6" providerId="AD" clId="Web-{BEE0BC10-BEA7-4EC0-AD68-DE157CB9AFF9}" dt="2020-12-04T18:33:46.616" v="33"/>
-          <ac:spMkLst>
-            <pc:docMk/>
-            <pc:sldMk cId="1316745424" sldId="256"/>
-            <ac:spMk id="97" creationId="{82950D9A-4705-4314-961A-4F88B2CE412D}"/>
-          </ac:spMkLst>
-        </pc:spChg>
-        <pc:spChg chg="add del">
-          <ac:chgData name="Taylor Harbin" userId="S::tharbin3@students.kennesaw.edu::6c16d6ec-fd43-4e1c-a397-5e8e05eb50f6" providerId="AD" clId="Web-{BEE0BC10-BEA7-4EC0-AD68-DE157CB9AFF9}" dt="2020-12-04T18:32:42.615" v="6"/>
-          <ac:spMkLst>
-            <pc:docMk/>
-            <pc:sldMk cId="1316745424" sldId="256"/>
-            <ac:spMk id="103" creationId="{6CC457A8-96E9-4902-B5AA-212D169CD917}"/>
-          </ac:spMkLst>
-        </pc:spChg>
-        <pc:spChg chg="add del">
-          <ac:chgData name="Taylor Harbin" userId="S::tharbin3@students.kennesaw.edu::6c16d6ec-fd43-4e1c-a397-5e8e05eb50f6" providerId="AD" clId="Web-{BEE0BC10-BEA7-4EC0-AD68-DE157CB9AFF9}" dt="2020-12-04T18:32:42.615" v="6"/>
-          <ac:spMkLst>
-            <pc:docMk/>
-            <pc:sldMk cId="1316745424" sldId="256"/>
-            <ac:spMk id="104" creationId="{CF235D52-C9F6-41DA-88E0-4CB351A55EBB}"/>
-          </ac:spMkLst>
-        </pc:spChg>
-        <pc:spChg chg="add del">
-          <ac:chgData name="Taylor Harbin" userId="S::tharbin3@students.kennesaw.edu::6c16d6ec-fd43-4e1c-a397-5e8e05eb50f6" providerId="AD" clId="Web-{BEE0BC10-BEA7-4EC0-AD68-DE157CB9AFF9}" dt="2020-12-04T18:32:31.100" v="4"/>
-          <ac:spMkLst>
-            <pc:docMk/>
-            <pc:sldMk cId="1316745424" sldId="256"/>
-            <ac:spMk id="106" creationId="{2B78D151-52A1-46B3-8374-570DA802E9A5}"/>
-          </ac:spMkLst>
-        </pc:spChg>
-        <pc:spChg chg="add del">
-          <ac:chgData name="Taylor Harbin" userId="S::tharbin3@students.kennesaw.edu::6c16d6ec-fd43-4e1c-a397-5e8e05eb50f6" providerId="AD" clId="Web-{BEE0BC10-BEA7-4EC0-AD68-DE157CB9AFF9}" dt="2020-12-04T18:33:00.538" v="8"/>
-          <ac:spMkLst>
-            <pc:docMk/>
-            <pc:sldMk cId="1316745424" sldId="256"/>
-            <ac:spMk id="107" creationId="{6CC457A8-96E9-4902-B5AA-212D169CD917}"/>
-          </ac:spMkLst>
-        </pc:spChg>
-        <pc:spChg chg="add del">
-          <ac:chgData name="Taylor Harbin" userId="S::tharbin3@students.kennesaw.edu::6c16d6ec-fd43-4e1c-a397-5e8e05eb50f6" providerId="AD" clId="Web-{BEE0BC10-BEA7-4EC0-AD68-DE157CB9AFF9}" dt="2020-12-04T18:32:31.100" v="4"/>
-          <ac:spMkLst>
-            <pc:docMk/>
-            <pc:sldMk cId="1316745424" sldId="256"/>
-            <ac:spMk id="108" creationId="{38572CB4-198F-40EB-A56D-65D841A383D4}"/>
-          </ac:spMkLst>
-        </pc:spChg>
-        <pc:spChg chg="add del">
-          <ac:chgData name="Taylor Harbin" userId="S::tharbin3@students.kennesaw.edu::6c16d6ec-fd43-4e1c-a397-5e8e05eb50f6" providerId="AD" clId="Web-{BEE0BC10-BEA7-4EC0-AD68-DE157CB9AFF9}" dt="2020-12-04T18:33:03.803" v="10"/>
-          <ac:spMkLst>
-            <pc:docMk/>
-            <pc:sldMk cId="1316745424" sldId="256"/>
-            <ac:spMk id="116" creationId="{6CC457A8-96E9-4902-B5AA-212D169CD917}"/>
-          </ac:spMkLst>
-        </pc:spChg>
-        <pc:spChg chg="add del">
-          <ac:chgData name="Taylor Harbin" userId="S::tharbin3@students.kennesaw.edu::6c16d6ec-fd43-4e1c-a397-5e8e05eb50f6" providerId="AD" clId="Web-{BEE0BC10-BEA7-4EC0-AD68-DE157CB9AFF9}" dt="2020-12-04T18:33:03.803" v="10"/>
-          <ac:spMkLst>
-            <pc:docMk/>
-            <pc:sldMk cId="1316745424" sldId="256"/>
-            <ac:spMk id="117" creationId="{CF235D52-C9F6-41DA-88E0-4CB351A55EBB}"/>
-          </ac:spMkLst>
-        </pc:spChg>
-        <pc:spChg chg="add del">
-          <ac:chgData name="Taylor Harbin" userId="S::tharbin3@students.kennesaw.edu::6c16d6ec-fd43-4e1c-a397-5e8e05eb50f6" providerId="AD" clId="Web-{BEE0BC10-BEA7-4EC0-AD68-DE157CB9AFF9}" dt="2020-12-04T18:33:07.335" v="12"/>
-          <ac:spMkLst>
-            <pc:docMk/>
-            <pc:sldMk cId="1316745424" sldId="256"/>
-            <ac:spMk id="121" creationId="{2B78D151-52A1-46B3-8374-570DA802E9A5}"/>
-          </ac:spMkLst>
-        </pc:spChg>
-        <pc:spChg chg="add del">
-          <ac:chgData name="Taylor Harbin" userId="S::tharbin3@students.kennesaw.edu::6c16d6ec-fd43-4e1c-a397-5e8e05eb50f6" providerId="AD" clId="Web-{BEE0BC10-BEA7-4EC0-AD68-DE157CB9AFF9}" dt="2020-12-04T18:33:07.335" v="12"/>
-          <ac:spMkLst>
-            <pc:docMk/>
-            <pc:sldMk cId="1316745424" sldId="256"/>
-            <ac:spMk id="122" creationId="{38572CB4-198F-40EB-A56D-65D841A383D4}"/>
-          </ac:spMkLst>
-        </pc:spChg>
-        <pc:spChg chg="add del">
-          <ac:chgData name="Taylor Harbin" userId="S::tharbin3@students.kennesaw.edu::6c16d6ec-fd43-4e1c-a397-5e8e05eb50f6" providerId="AD" clId="Web-{BEE0BC10-BEA7-4EC0-AD68-DE157CB9AFF9}" dt="2020-12-04T18:33:09.975" v="14"/>
-          <ac:spMkLst>
-            <pc:docMk/>
-            <pc:sldMk cId="1316745424" sldId="256"/>
-            <ac:spMk id="124" creationId="{D4938BEB-26BE-45D6-AFAC-5689B5FA92BC}"/>
-          </ac:spMkLst>
-        </pc:spChg>
-        <pc:spChg chg="add del">
-          <ac:chgData name="Taylor Harbin" userId="S::tharbin3@students.kennesaw.edu::6c16d6ec-fd43-4e1c-a397-5e8e05eb50f6" providerId="AD" clId="Web-{BEE0BC10-BEA7-4EC0-AD68-DE157CB9AFF9}" dt="2020-12-04T18:33:09.975" v="14"/>
-          <ac:spMkLst>
-            <pc:docMk/>
-            <pc:sldMk cId="1316745424" sldId="256"/>
-            <ac:spMk id="125" creationId="{F2922C2C-A14D-45A0-987E-ECE330E0D608}"/>
-          </ac:spMkLst>
-        </pc:spChg>
-        <pc:spChg chg="add del">
-          <ac:chgData name="Taylor Harbin" userId="S::tharbin3@students.kennesaw.edu::6c16d6ec-fd43-4e1c-a397-5e8e05eb50f6" providerId="AD" clId="Web-{BEE0BC10-BEA7-4EC0-AD68-DE157CB9AFF9}" dt="2020-12-04T18:33:12.850" v="16"/>
-          <ac:spMkLst>
-            <pc:docMk/>
-            <pc:sldMk cId="1316745424" sldId="256"/>
-            <ac:spMk id="131" creationId="{A817523A-D1A4-4AA1-A06E-3E8AA7B4B972}"/>
-          </ac:spMkLst>
-        </pc:spChg>
-        <pc:spChg chg="add del">
-          <ac:chgData name="Taylor Harbin" userId="S::tharbin3@students.kennesaw.edu::6c16d6ec-fd43-4e1c-a397-5e8e05eb50f6" providerId="AD" clId="Web-{BEE0BC10-BEA7-4EC0-AD68-DE157CB9AFF9}" dt="2020-12-04T18:33:12.850" v="16"/>
-          <ac:spMkLst>
-            <pc:docMk/>
-            <pc:sldMk cId="1316745424" sldId="256"/>
-            <ac:spMk id="132" creationId="{04E9E526-05D2-4C66-8B99-CB7BC51F326C}"/>
-          </ac:spMkLst>
-        </pc:spChg>
-        <pc:spChg chg="add del">
-          <ac:chgData name="Taylor Harbin" userId="S::tharbin3@students.kennesaw.edu::6c16d6ec-fd43-4e1c-a397-5e8e05eb50f6" providerId="AD" clId="Web-{BEE0BC10-BEA7-4EC0-AD68-DE157CB9AFF9}" dt="2020-12-04T18:33:16.007" v="18"/>
-          <ac:spMkLst>
-            <pc:docMk/>
-            <pc:sldMk cId="1316745424" sldId="256"/>
-            <ac:spMk id="134" creationId="{6CC457A8-96E9-4902-B5AA-212D169CD917}"/>
-          </ac:spMkLst>
-        </pc:spChg>
-        <pc:spChg chg="add del">
-          <ac:chgData name="Taylor Harbin" userId="S::tharbin3@students.kennesaw.edu::6c16d6ec-fd43-4e1c-a397-5e8e05eb50f6" providerId="AD" clId="Web-{BEE0BC10-BEA7-4EC0-AD68-DE157CB9AFF9}" dt="2020-12-04T18:33:18.413" v="20"/>
-          <ac:spMkLst>
-            <pc:docMk/>
-            <pc:sldMk cId="1316745424" sldId="256"/>
-            <ac:spMk id="139" creationId="{2B78D151-52A1-46B3-8374-570DA802E9A5}"/>
-          </ac:spMkLst>
-        </pc:spChg>
-        <pc:spChg chg="add del">
-          <ac:chgData name="Taylor Harbin" userId="S::tharbin3@students.kennesaw.edu::6c16d6ec-fd43-4e1c-a397-5e8e05eb50f6" providerId="AD" clId="Web-{BEE0BC10-BEA7-4EC0-AD68-DE157CB9AFF9}" dt="2020-12-04T18:33:20.288" v="22"/>
-          <ac:spMkLst>
-            <pc:docMk/>
-            <pc:sldMk cId="1316745424" sldId="256"/>
-            <ac:spMk id="143" creationId="{6CC457A8-96E9-4902-B5AA-212D169CD917}"/>
-          </ac:spMkLst>
-        </pc:spChg>
-        <pc:spChg chg="add del">
-          <ac:chgData name="Taylor Harbin" userId="S::tharbin3@students.kennesaw.edu::6c16d6ec-fd43-4e1c-a397-5e8e05eb50f6" providerId="AD" clId="Web-{BEE0BC10-BEA7-4EC0-AD68-DE157CB9AFF9}" dt="2020-12-04T18:33:24.241" v="24"/>
-          <ac:spMkLst>
-            <pc:docMk/>
-            <pc:sldMk cId="1316745424" sldId="256"/>
-            <ac:spMk id="148" creationId="{6CC457A8-96E9-4902-B5AA-212D169CD917}"/>
-          </ac:spMkLst>
-        </pc:spChg>
-        <pc:spChg chg="add del">
-          <ac:chgData name="Taylor Harbin" userId="S::tharbin3@students.kennesaw.edu::6c16d6ec-fd43-4e1c-a397-5e8e05eb50f6" providerId="AD" clId="Web-{BEE0BC10-BEA7-4EC0-AD68-DE157CB9AFF9}" dt="2020-12-04T18:33:24.241" v="24"/>
-          <ac:spMkLst>
-            <pc:docMk/>
-            <pc:sldMk cId="1316745424" sldId="256"/>
-            <ac:spMk id="149" creationId="{CF235D52-C9F6-41DA-88E0-4CB351A55EBB}"/>
-          </ac:spMkLst>
-        </pc:spChg>
-        <pc:spChg chg="add del">
-          <ac:chgData name="Taylor Harbin" userId="S::tharbin3@students.kennesaw.edu::6c16d6ec-fd43-4e1c-a397-5e8e05eb50f6" providerId="AD" clId="Web-{BEE0BC10-BEA7-4EC0-AD68-DE157CB9AFF9}" dt="2020-12-04T18:33:35.648" v="26"/>
-          <ac:spMkLst>
-            <pc:docMk/>
-            <pc:sldMk cId="1316745424" sldId="256"/>
-            <ac:spMk id="153" creationId="{6CC457A8-96E9-4902-B5AA-212D169CD917}"/>
-          </ac:spMkLst>
-        </pc:spChg>
-        <pc:spChg chg="add del">
-          <ac:chgData name="Taylor Harbin" userId="S::tharbin3@students.kennesaw.edu::6c16d6ec-fd43-4e1c-a397-5e8e05eb50f6" providerId="AD" clId="Web-{BEE0BC10-BEA7-4EC0-AD68-DE157CB9AFF9}" dt="2020-12-04T18:33:40.913" v="28"/>
-          <ac:spMkLst>
-            <pc:docMk/>
-            <pc:sldMk cId="1316745424" sldId="256"/>
-            <ac:spMk id="158" creationId="{6CC457A8-96E9-4902-B5AA-212D169CD917}"/>
-          </ac:spMkLst>
-        </pc:spChg>
-        <pc:spChg chg="add del">
-          <ac:chgData name="Taylor Harbin" userId="S::tharbin3@students.kennesaw.edu::6c16d6ec-fd43-4e1c-a397-5e8e05eb50f6" providerId="AD" clId="Web-{BEE0BC10-BEA7-4EC0-AD68-DE157CB9AFF9}" dt="2020-12-04T18:33:40.913" v="28"/>
-          <ac:spMkLst>
-            <pc:docMk/>
-            <pc:sldMk cId="1316745424" sldId="256"/>
-            <ac:spMk id="159" creationId="{CF235D52-C9F6-41DA-88E0-4CB351A55EBB}"/>
-          </ac:spMkLst>
-        </pc:spChg>
-        <pc:spChg chg="add del">
-          <ac:chgData name="Taylor Harbin" userId="S::tharbin3@students.kennesaw.edu::6c16d6ec-fd43-4e1c-a397-5e8e05eb50f6" providerId="AD" clId="Web-{BEE0BC10-BEA7-4EC0-AD68-DE157CB9AFF9}" dt="2020-12-04T18:33:44.866" v="30"/>
-          <ac:spMkLst>
-            <pc:docMk/>
-            <pc:sldMk cId="1316745424" sldId="256"/>
-            <ac:spMk id="163" creationId="{6CC457A8-96E9-4902-B5AA-212D169CD917}"/>
-          </ac:spMkLst>
-        </pc:spChg>
-        <pc:spChg chg="add del">
-          <ac:chgData name="Taylor Harbin" userId="S::tharbin3@students.kennesaw.edu::6c16d6ec-fd43-4e1c-a397-5e8e05eb50f6" providerId="AD" clId="Web-{BEE0BC10-BEA7-4EC0-AD68-DE157CB9AFF9}" dt="2020-12-04T18:33:46.616" v="32"/>
-          <ac:spMkLst>
-            <pc:docMk/>
-            <pc:sldMk cId="1316745424" sldId="256"/>
-            <ac:spMk id="168" creationId="{6CC457A8-96E9-4902-B5AA-212D169CD917}"/>
-          </ac:spMkLst>
-        </pc:spChg>
-        <pc:spChg chg="add del">
-          <ac:chgData name="Taylor Harbin" userId="S::tharbin3@students.kennesaw.edu::6c16d6ec-fd43-4e1c-a397-5e8e05eb50f6" providerId="AD" clId="Web-{BEE0BC10-BEA7-4EC0-AD68-DE157CB9AFF9}" dt="2020-12-04T18:33:46.616" v="32"/>
-          <ac:spMkLst>
-            <pc:docMk/>
-            <pc:sldMk cId="1316745424" sldId="256"/>
-            <ac:spMk id="169" creationId="{CF235D52-C9F6-41DA-88E0-4CB351A55EBB}"/>
-          </ac:spMkLst>
-        </pc:spChg>
-        <pc:spChg chg="add">
-          <ac:chgData name="Taylor Harbin" userId="S::tharbin3@students.kennesaw.edu::6c16d6ec-fd43-4e1c-a397-5e8e05eb50f6" providerId="AD" clId="Web-{BEE0BC10-BEA7-4EC0-AD68-DE157CB9AFF9}" dt="2020-12-04T18:33:46.616" v="33"/>
-          <ac:spMkLst>
-            <pc:docMk/>
-            <pc:sldMk cId="1316745424" sldId="256"/>
-            <ac:spMk id="173" creationId="{6CC457A8-96E9-4902-B5AA-212D169CD917}"/>
-          </ac:spMkLst>
-        </pc:spChg>
-        <pc:picChg chg="add mod">
-          <ac:chgData name="Taylor Harbin" userId="S::tharbin3@students.kennesaw.edu::6c16d6ec-fd43-4e1c-a397-5e8e05eb50f6" providerId="AD" clId="Web-{BEE0BC10-BEA7-4EC0-AD68-DE157CB9AFF9}" dt="2020-12-04T18:33:46.616" v="33"/>
-          <ac:picMkLst>
-            <pc:docMk/>
-            <pc:sldMk cId="1316745424" sldId="256"/>
-            <ac:picMk id="4" creationId="{1806E47C-24B4-4745-96FC-01C386F2D39D}"/>
-          </ac:picMkLst>
-        </pc:picChg>
-        <pc:picChg chg="mod ord">
-          <ac:chgData name="Taylor Harbin" userId="S::tharbin3@students.kennesaw.edu::6c16d6ec-fd43-4e1c-a397-5e8e05eb50f6" providerId="AD" clId="Web-{BEE0BC10-BEA7-4EC0-AD68-DE157CB9AFF9}" dt="2020-12-04T18:33:46.616" v="33"/>
-          <ac:picMkLst>
-            <pc:docMk/>
-            <pc:sldMk cId="1316745424" sldId="256"/>
-            <ac:picMk id="91" creationId="{C191E7A1-C80D-4607-8879-C65FAE88FE58}"/>
-          </ac:picMkLst>
-        </pc:picChg>
-        <pc:cxnChg chg="add del">
-          <ac:chgData name="Taylor Harbin" userId="S::tharbin3@students.kennesaw.edu::6c16d6ec-fd43-4e1c-a397-5e8e05eb50f6" providerId="AD" clId="Web-{BEE0BC10-BEA7-4EC0-AD68-DE157CB9AFF9}" dt="2020-12-04T18:33:46.616" v="33"/>
-          <ac:cxnSpMkLst>
-            <pc:docMk/>
-            <pc:sldMk cId="1316745424" sldId="256"/>
-            <ac:cxnSpMk id="99" creationId="{13AC671C-E66F-43C5-A66A-C477339DD232}"/>
-          </ac:cxnSpMkLst>
-        </pc:cxnChg>
-        <pc:cxnChg chg="add del">
-          <ac:chgData name="Taylor Harbin" userId="S::tharbin3@students.kennesaw.edu::6c16d6ec-fd43-4e1c-a397-5e8e05eb50f6" providerId="AD" clId="Web-{BEE0BC10-BEA7-4EC0-AD68-DE157CB9AFF9}" dt="2020-12-04T18:33:46.616" v="33"/>
-          <ac:cxnSpMkLst>
-            <pc:docMk/>
-            <pc:sldMk cId="1316745424" sldId="256"/>
-            <ac:cxnSpMk id="101" creationId="{EEE10AC2-20ED-4628-9A8E-14F8437B55CB}"/>
-          </ac:cxnSpMkLst>
-        </pc:cxnChg>
-        <pc:cxnChg chg="add del">
-          <ac:chgData name="Taylor Harbin" userId="S::tharbin3@students.kennesaw.edu::6c16d6ec-fd43-4e1c-a397-5e8e05eb50f6" providerId="AD" clId="Web-{BEE0BC10-BEA7-4EC0-AD68-DE157CB9AFF9}" dt="2020-12-04T18:32:42.615" v="6"/>
-          <ac:cxnSpMkLst>
-            <pc:docMk/>
-            <pc:sldMk cId="1316745424" sldId="256"/>
-            <ac:cxnSpMk id="105" creationId="{17E12B2D-1C6C-4602-A3C9-95E703D91062}"/>
-          </ac:cxnSpMkLst>
-        </pc:cxnChg>
-        <pc:cxnChg chg="add del">
-          <ac:chgData name="Taylor Harbin" userId="S::tharbin3@students.kennesaw.edu::6c16d6ec-fd43-4e1c-a397-5e8e05eb50f6" providerId="AD" clId="Web-{BEE0BC10-BEA7-4EC0-AD68-DE157CB9AFF9}" dt="2020-12-04T18:33:00.538" v="8"/>
-          <ac:cxnSpMkLst>
-            <pc:docMk/>
-            <pc:sldMk cId="1316745424" sldId="256"/>
-            <ac:cxnSpMk id="109" creationId="{17E12B2D-1C6C-4602-A3C9-95E703D91062}"/>
-          </ac:cxnSpMkLst>
-        </pc:cxnChg>
-        <pc:cxnChg chg="add del">
-          <ac:chgData name="Taylor Harbin" userId="S::tharbin3@students.kennesaw.edu::6c16d6ec-fd43-4e1c-a397-5e8e05eb50f6" providerId="AD" clId="Web-{BEE0BC10-BEA7-4EC0-AD68-DE157CB9AFF9}" dt="2020-12-04T18:32:31.100" v="4"/>
-          <ac:cxnSpMkLst>
-            <pc:docMk/>
-            <pc:sldMk cId="1316745424" sldId="256"/>
-            <ac:cxnSpMk id="110" creationId="{2178E38C-83CD-4BC6-893D-662EF9BFAA61}"/>
-          </ac:cxnSpMkLst>
-        </pc:cxnChg>
-        <pc:cxnChg chg="add del">
-          <ac:chgData name="Taylor Harbin" userId="S::tharbin3@students.kennesaw.edu::6c16d6ec-fd43-4e1c-a397-5e8e05eb50f6" providerId="AD" clId="Web-{BEE0BC10-BEA7-4EC0-AD68-DE157CB9AFF9}" dt="2020-12-04T18:33:00.538" v="8"/>
-          <ac:cxnSpMkLst>
-            <pc:docMk/>
-            <pc:sldMk cId="1316745424" sldId="256"/>
-            <ac:cxnSpMk id="111" creationId="{F6B36C06-EBC6-4357-8273-3A346133184D}"/>
-          </ac:cxnSpMkLst>
-        </pc:cxnChg>
-        <pc:cxnChg chg="add del">
-          <ac:chgData name="Taylor Harbin" userId="S::tharbin3@students.kennesaw.edu::6c16d6ec-fd43-4e1c-a397-5e8e05eb50f6" providerId="AD" clId="Web-{BEE0BC10-BEA7-4EC0-AD68-DE157CB9AFF9}" dt="2020-12-04T18:32:42.615" v="6"/>
-          <ac:cxnSpMkLst>
-            <pc:docMk/>
-            <pc:sldMk cId="1316745424" sldId="256"/>
-            <ac:cxnSpMk id="112" creationId="{76A2A7DA-2046-4C9B-9C49-92AE548B8CDD}"/>
-          </ac:cxnSpMkLst>
-        </pc:cxnChg>
-        <pc:cxnChg chg="add del">
-          <ac:chgData name="Taylor Harbin" userId="S::tharbin3@students.kennesaw.edu::6c16d6ec-fd43-4e1c-a397-5e8e05eb50f6" providerId="AD" clId="Web-{BEE0BC10-BEA7-4EC0-AD68-DE157CB9AFF9}" dt="2020-12-04T18:33:00.538" v="8"/>
-          <ac:cxnSpMkLst>
-            <pc:docMk/>
-            <pc:sldMk cId="1316745424" sldId="256"/>
-            <ac:cxnSpMk id="113" creationId="{76A2A7DA-2046-4C9B-9C49-92AE548B8CDD}"/>
-          </ac:cxnSpMkLst>
-        </pc:cxnChg>
-        <pc:cxnChg chg="add del">
-          <ac:chgData name="Taylor Harbin" userId="S::tharbin3@students.kennesaw.edu::6c16d6ec-fd43-4e1c-a397-5e8e05eb50f6" providerId="AD" clId="Web-{BEE0BC10-BEA7-4EC0-AD68-DE157CB9AFF9}" dt="2020-12-04T18:32:42.615" v="6"/>
-          <ac:cxnSpMkLst>
-            <pc:docMk/>
-            <pc:sldMk cId="1316745424" sldId="256"/>
-            <ac:cxnSpMk id="114" creationId="{F6B36C06-EBC6-4357-8273-3A346133184D}"/>
-          </ac:cxnSpMkLst>
-        </pc:cxnChg>
-        <pc:cxnChg chg="add del">
-          <ac:chgData name="Taylor Harbin" userId="S::tharbin3@students.kennesaw.edu::6c16d6ec-fd43-4e1c-a397-5e8e05eb50f6" providerId="AD" clId="Web-{BEE0BC10-BEA7-4EC0-AD68-DE157CB9AFF9}" dt="2020-12-04T18:33:00.538" v="8"/>
-          <ac:cxnSpMkLst>
-            <pc:docMk/>
-            <pc:sldMk cId="1316745424" sldId="256"/>
-            <ac:cxnSpMk id="115" creationId="{80E2485D-753D-47D5-86D2-61010E6C166C}"/>
-          </ac:cxnSpMkLst>
-        </pc:cxnChg>
-        <pc:cxnChg chg="add del">
-          <ac:chgData name="Taylor Harbin" userId="S::tharbin3@students.kennesaw.edu::6c16d6ec-fd43-4e1c-a397-5e8e05eb50f6" providerId="AD" clId="Web-{BEE0BC10-BEA7-4EC0-AD68-DE157CB9AFF9}" dt="2020-12-04T18:33:03.803" v="10"/>
-          <ac:cxnSpMkLst>
-            <pc:docMk/>
-            <pc:sldMk cId="1316745424" sldId="256"/>
-            <ac:cxnSpMk id="118" creationId="{17E12B2D-1C6C-4602-A3C9-95E703D91062}"/>
-          </ac:cxnSpMkLst>
-        </pc:cxnChg>
-        <pc:cxnChg chg="add del">
-          <ac:chgData name="Taylor Harbin" userId="S::tharbin3@students.kennesaw.edu::6c16d6ec-fd43-4e1c-a397-5e8e05eb50f6" providerId="AD" clId="Web-{BEE0BC10-BEA7-4EC0-AD68-DE157CB9AFF9}" dt="2020-12-04T18:33:03.803" v="10"/>
-          <ac:cxnSpMkLst>
-            <pc:docMk/>
-            <pc:sldMk cId="1316745424" sldId="256"/>
-            <ac:cxnSpMk id="119" creationId="{76A2A7DA-2046-4C9B-9C49-92AE548B8CDD}"/>
-          </ac:cxnSpMkLst>
-        </pc:cxnChg>
-        <pc:cxnChg chg="add del">
-          <ac:chgData name="Taylor Harbin" userId="S::tharbin3@students.kennesaw.edu::6c16d6ec-fd43-4e1c-a397-5e8e05eb50f6" providerId="AD" clId="Web-{BEE0BC10-BEA7-4EC0-AD68-DE157CB9AFF9}" dt="2020-12-04T18:33:03.803" v="10"/>
-          <ac:cxnSpMkLst>
-            <pc:docMk/>
-            <pc:sldMk cId="1316745424" sldId="256"/>
-            <ac:cxnSpMk id="120" creationId="{F6B36C06-EBC6-4357-8273-3A346133184D}"/>
-          </ac:cxnSpMkLst>
-        </pc:cxnChg>
-        <pc:cxnChg chg="add del">
-          <ac:chgData name="Taylor Harbin" userId="S::tharbin3@students.kennesaw.edu::6c16d6ec-fd43-4e1c-a397-5e8e05eb50f6" providerId="AD" clId="Web-{BEE0BC10-BEA7-4EC0-AD68-DE157CB9AFF9}" dt="2020-12-04T18:33:07.335" v="12"/>
-          <ac:cxnSpMkLst>
-            <pc:docMk/>
-            <pc:sldMk cId="1316745424" sldId="256"/>
-            <ac:cxnSpMk id="123" creationId="{2178E38C-83CD-4BC6-893D-662EF9BFAA61}"/>
-          </ac:cxnSpMkLst>
-        </pc:cxnChg>
-        <pc:cxnChg chg="add del">
-          <ac:chgData name="Taylor Harbin" userId="S::tharbin3@students.kennesaw.edu::6c16d6ec-fd43-4e1c-a397-5e8e05eb50f6" providerId="AD" clId="Web-{BEE0BC10-BEA7-4EC0-AD68-DE157CB9AFF9}" dt="2020-12-04T18:33:09.975" v="14"/>
-          <ac:cxnSpMkLst>
-            <pc:docMk/>
-            <pc:sldMk cId="1316745424" sldId="256"/>
-            <ac:cxnSpMk id="126" creationId="{555DA026-EBCA-4BC9-B242-98A1E047E50F}"/>
-          </ac:cxnSpMkLst>
-        </pc:cxnChg>
-        <pc:cxnChg chg="add del">
-          <ac:chgData name="Taylor Harbin" userId="S::tharbin3@students.kennesaw.edu::6c16d6ec-fd43-4e1c-a397-5e8e05eb50f6" providerId="AD" clId="Web-{BEE0BC10-BEA7-4EC0-AD68-DE157CB9AFF9}" dt="2020-12-04T18:33:09.975" v="14"/>
-          <ac:cxnSpMkLst>
-            <pc:docMk/>
-            <pc:sldMk cId="1316745424" sldId="256"/>
-            <ac:cxnSpMk id="127" creationId="{7AAFE157-797A-4C20-84D2-10E0FD04D5F3}"/>
-          </ac:cxnSpMkLst>
-        </pc:cxnChg>
-        <pc:cxnChg chg="add del">
-          <ac:chgData name="Taylor Harbin" userId="S::tharbin3@students.kennesaw.edu::6c16d6ec-fd43-4e1c-a397-5e8e05eb50f6" providerId="AD" clId="Web-{BEE0BC10-BEA7-4EC0-AD68-DE157CB9AFF9}" dt="2020-12-04T18:33:09.975" v="14"/>
-          <ac:cxnSpMkLst>
-            <pc:docMk/>
-            <pc:sldMk cId="1316745424" sldId="256"/>
-            <ac:cxnSpMk id="128" creationId="{2F2BA51C-5502-45A8-9DAC-2244668C7F9D}"/>
-          </ac:cxnSpMkLst>
-        </pc:cxnChg>
-        <pc:cxnChg chg="add del">
-          <ac:chgData name="Taylor Harbin" userId="S::tharbin3@students.kennesaw.edu::6c16d6ec-fd43-4e1c-a397-5e8e05eb50f6" providerId="AD" clId="Web-{BEE0BC10-BEA7-4EC0-AD68-DE157CB9AFF9}" dt="2020-12-04T18:33:09.975" v="14"/>
-          <ac:cxnSpMkLst>
-            <pc:docMk/>
-            <pc:sldMk cId="1316745424" sldId="256"/>
-            <ac:cxnSpMk id="129" creationId="{1A7F1080-7DA2-430F-82F3-763FD63A7676}"/>
-          </ac:cxnSpMkLst>
-        </pc:cxnChg>
-        <pc:cxnChg chg="add del">
-          <ac:chgData name="Taylor Harbin" userId="S::tharbin3@students.kennesaw.edu::6c16d6ec-fd43-4e1c-a397-5e8e05eb50f6" providerId="AD" clId="Web-{BEE0BC10-BEA7-4EC0-AD68-DE157CB9AFF9}" dt="2020-12-04T18:33:09.975" v="14"/>
-          <ac:cxnSpMkLst>
-            <pc:docMk/>
-            <pc:sldMk cId="1316745424" sldId="256"/>
-            <ac:cxnSpMk id="130" creationId="{59752C49-F8D8-42A2-84A4-98540163CE94}"/>
-          </ac:cxnSpMkLst>
-        </pc:cxnChg>
-        <pc:cxnChg chg="add del">
-          <ac:chgData name="Taylor Harbin" userId="S::tharbin3@students.kennesaw.edu::6c16d6ec-fd43-4e1c-a397-5e8e05eb50f6" providerId="AD" clId="Web-{BEE0BC10-BEA7-4EC0-AD68-DE157CB9AFF9}" dt="2020-12-04T18:33:12.850" v="16"/>
-          <ac:cxnSpMkLst>
-            <pc:docMk/>
-            <pc:sldMk cId="1316745424" sldId="256"/>
-            <ac:cxnSpMk id="133" creationId="{F3F47F83-8728-4E0D-BDE6-2C09A035C87C}"/>
-          </ac:cxnSpMkLst>
-        </pc:cxnChg>
-        <pc:cxnChg chg="add del">
-          <ac:chgData name="Taylor Harbin" userId="S::tharbin3@students.kennesaw.edu::6c16d6ec-fd43-4e1c-a397-5e8e05eb50f6" providerId="AD" clId="Web-{BEE0BC10-BEA7-4EC0-AD68-DE157CB9AFF9}" dt="2020-12-04T18:33:16.007" v="18"/>
-          <ac:cxnSpMkLst>
-            <pc:docMk/>
-            <pc:sldMk cId="1316745424" sldId="256"/>
-            <ac:cxnSpMk id="135" creationId="{17E12B2D-1C6C-4602-A3C9-95E703D91062}"/>
-          </ac:cxnSpMkLst>
-        </pc:cxnChg>
-        <pc:cxnChg chg="add del">
-          <ac:chgData name="Taylor Harbin" userId="S::tharbin3@students.kennesaw.edu::6c16d6ec-fd43-4e1c-a397-5e8e05eb50f6" providerId="AD" clId="Web-{BEE0BC10-BEA7-4EC0-AD68-DE157CB9AFF9}" dt="2020-12-04T18:33:16.007" v="18"/>
-          <ac:cxnSpMkLst>
-            <pc:docMk/>
-            <pc:sldMk cId="1316745424" sldId="256"/>
-            <ac:cxnSpMk id="136" creationId="{F6B36C06-EBC6-4357-8273-3A346133184D}"/>
-          </ac:cxnSpMkLst>
-        </pc:cxnChg>
-        <pc:cxnChg chg="add del">
-          <ac:chgData name="Taylor Harbin" userId="S::tharbin3@students.kennesaw.edu::6c16d6ec-fd43-4e1c-a397-5e8e05eb50f6" providerId="AD" clId="Web-{BEE0BC10-BEA7-4EC0-AD68-DE157CB9AFF9}" dt="2020-12-04T18:33:16.007" v="18"/>
-          <ac:cxnSpMkLst>
-            <pc:docMk/>
-            <pc:sldMk cId="1316745424" sldId="256"/>
-            <ac:cxnSpMk id="137" creationId="{76A2A7DA-2046-4C9B-9C49-92AE548B8CDD}"/>
-          </ac:cxnSpMkLst>
-        </pc:cxnChg>
-        <pc:cxnChg chg="add del">
-          <ac:chgData name="Taylor Harbin" userId="S::tharbin3@students.kennesaw.edu::6c16d6ec-fd43-4e1c-a397-5e8e05eb50f6" providerId="AD" clId="Web-{BEE0BC10-BEA7-4EC0-AD68-DE157CB9AFF9}" dt="2020-12-04T18:33:16.007" v="18"/>
-          <ac:cxnSpMkLst>
-            <pc:docMk/>
-            <pc:sldMk cId="1316745424" sldId="256"/>
-            <ac:cxnSpMk id="138" creationId="{80E2485D-753D-47D5-86D2-61010E6C166C}"/>
-          </ac:cxnSpMkLst>
-        </pc:cxnChg>
-        <pc:cxnChg chg="add del">
-          <ac:chgData name="Taylor Harbin" userId="S::tharbin3@students.kennesaw.edu::6c16d6ec-fd43-4e1c-a397-5e8e05eb50f6" providerId="AD" clId="Web-{BEE0BC10-BEA7-4EC0-AD68-DE157CB9AFF9}" dt="2020-12-04T18:33:18.413" v="20"/>
-          <ac:cxnSpMkLst>
-            <pc:docMk/>
-            <pc:sldMk cId="1316745424" sldId="256"/>
-            <ac:cxnSpMk id="140" creationId="{E2F61726-9292-4844-9EBF-341051AAFDBE}"/>
-          </ac:cxnSpMkLst>
-        </pc:cxnChg>
-        <pc:cxnChg chg="add del">
-          <ac:chgData name="Taylor Harbin" userId="S::tharbin3@students.kennesaw.edu::6c16d6ec-fd43-4e1c-a397-5e8e05eb50f6" providerId="AD" clId="Web-{BEE0BC10-BEA7-4EC0-AD68-DE157CB9AFF9}" dt="2020-12-04T18:33:18.413" v="20"/>
-          <ac:cxnSpMkLst>
-            <pc:docMk/>
-            <pc:sldMk cId="1316745424" sldId="256"/>
-            <ac:cxnSpMk id="141" creationId="{2178E38C-83CD-4BC6-893D-662EF9BFAA61}"/>
-          </ac:cxnSpMkLst>
-        </pc:cxnChg>
-        <pc:cxnChg chg="add del">
-          <ac:chgData name="Taylor Harbin" userId="S::tharbin3@students.kennesaw.edu::6c16d6ec-fd43-4e1c-a397-5e8e05eb50f6" providerId="AD" clId="Web-{BEE0BC10-BEA7-4EC0-AD68-DE157CB9AFF9}" dt="2020-12-04T18:33:18.413" v="20"/>
-          <ac:cxnSpMkLst>
-            <pc:docMk/>
-            <pc:sldMk cId="1316745424" sldId="256"/>
-            <ac:cxnSpMk id="142" creationId="{5D1D742B-AE62-4EEF-818B-031803203CF1}"/>
-          </ac:cxnSpMkLst>
-        </pc:cxnChg>
-        <pc:cxnChg chg="add del">
-          <ac:chgData name="Taylor Harbin" userId="S::tharbin3@students.kennesaw.edu::6c16d6ec-fd43-4e1c-a397-5e8e05eb50f6" providerId="AD" clId="Web-{BEE0BC10-BEA7-4EC0-AD68-DE157CB9AFF9}" dt="2020-12-04T18:33:20.288" v="22"/>
-          <ac:cxnSpMkLst>
-            <pc:docMk/>
-            <pc:sldMk cId="1316745424" sldId="256"/>
-            <ac:cxnSpMk id="144" creationId="{17E12B2D-1C6C-4602-A3C9-95E703D91062}"/>
-          </ac:cxnSpMkLst>
-        </pc:cxnChg>
-        <pc:cxnChg chg="add del">
-          <ac:chgData name="Taylor Harbin" userId="S::tharbin3@students.kennesaw.edu::6c16d6ec-fd43-4e1c-a397-5e8e05eb50f6" providerId="AD" clId="Web-{BEE0BC10-BEA7-4EC0-AD68-DE157CB9AFF9}" dt="2020-12-04T18:33:20.288" v="22"/>
-          <ac:cxnSpMkLst>
-            <pc:docMk/>
-            <pc:sldMk cId="1316745424" sldId="256"/>
-            <ac:cxnSpMk id="145" creationId="{F6B36C06-EBC6-4357-8273-3A346133184D}"/>
-          </ac:cxnSpMkLst>
-        </pc:cxnChg>
-        <pc:cxnChg chg="add del">
-          <ac:chgData name="Taylor Harbin" userId="S::tharbin3@students.kennesaw.edu::6c16d6ec-fd43-4e1c-a397-5e8e05eb50f6" providerId="AD" clId="Web-{BEE0BC10-BEA7-4EC0-AD68-DE157CB9AFF9}" dt="2020-12-04T18:33:20.288" v="22"/>
-          <ac:cxnSpMkLst>
-            <pc:docMk/>
-            <pc:sldMk cId="1316745424" sldId="256"/>
-            <ac:cxnSpMk id="146" creationId="{76A2A7DA-2046-4C9B-9C49-92AE548B8CDD}"/>
-          </ac:cxnSpMkLst>
-        </pc:cxnChg>
-        <pc:cxnChg chg="add del">
-          <ac:chgData name="Taylor Harbin" userId="S::tharbin3@students.kennesaw.edu::6c16d6ec-fd43-4e1c-a397-5e8e05eb50f6" providerId="AD" clId="Web-{BEE0BC10-BEA7-4EC0-AD68-DE157CB9AFF9}" dt="2020-12-04T18:33:20.288" v="22"/>
-          <ac:cxnSpMkLst>
-            <pc:docMk/>
-            <pc:sldMk cId="1316745424" sldId="256"/>
-            <ac:cxnSpMk id="147" creationId="{80E2485D-753D-47D5-86D2-61010E6C166C}"/>
-          </ac:cxnSpMkLst>
-        </pc:cxnChg>
-        <pc:cxnChg chg="add del">
-          <ac:chgData name="Taylor Harbin" userId="S::tharbin3@students.kennesaw.edu::6c16d6ec-fd43-4e1c-a397-5e8e05eb50f6" providerId="AD" clId="Web-{BEE0BC10-BEA7-4EC0-AD68-DE157CB9AFF9}" dt="2020-12-04T18:33:24.241" v="24"/>
-          <ac:cxnSpMkLst>
-            <pc:docMk/>
-            <pc:sldMk cId="1316745424" sldId="256"/>
-            <ac:cxnSpMk id="150" creationId="{17E12B2D-1C6C-4602-A3C9-95E703D91062}"/>
-          </ac:cxnSpMkLst>
-        </pc:cxnChg>
-        <pc:cxnChg chg="add del">
-          <ac:chgData name="Taylor Harbin" userId="S::tharbin3@students.kennesaw.edu::6c16d6ec-fd43-4e1c-a397-5e8e05eb50f6" providerId="AD" clId="Web-{BEE0BC10-BEA7-4EC0-AD68-DE157CB9AFF9}" dt="2020-12-04T18:33:24.241" v="24"/>
-          <ac:cxnSpMkLst>
-            <pc:docMk/>
-            <pc:sldMk cId="1316745424" sldId="256"/>
-            <ac:cxnSpMk id="151" creationId="{76A2A7DA-2046-4C9B-9C49-92AE548B8CDD}"/>
-          </ac:cxnSpMkLst>
-        </pc:cxnChg>
-        <pc:cxnChg chg="add del">
-          <ac:chgData name="Taylor Harbin" userId="S::tharbin3@students.kennesaw.edu::6c16d6ec-fd43-4e1c-a397-5e8e05eb50f6" providerId="AD" clId="Web-{BEE0BC10-BEA7-4EC0-AD68-DE157CB9AFF9}" dt="2020-12-04T18:33:24.241" v="24"/>
-          <ac:cxnSpMkLst>
-            <pc:docMk/>
-            <pc:sldMk cId="1316745424" sldId="256"/>
-            <ac:cxnSpMk id="152" creationId="{F6B36C06-EBC6-4357-8273-3A346133184D}"/>
-          </ac:cxnSpMkLst>
-        </pc:cxnChg>
-        <pc:cxnChg chg="add del">
-          <ac:chgData name="Taylor Harbin" userId="S::tharbin3@students.kennesaw.edu::6c16d6ec-fd43-4e1c-a397-5e8e05eb50f6" providerId="AD" clId="Web-{BEE0BC10-BEA7-4EC0-AD68-DE157CB9AFF9}" dt="2020-12-04T18:33:35.648" v="26"/>
-          <ac:cxnSpMkLst>
-            <pc:docMk/>
-            <pc:sldMk cId="1316745424" sldId="256"/>
-            <ac:cxnSpMk id="154" creationId="{17E12B2D-1C6C-4602-A3C9-95E703D91062}"/>
-          </ac:cxnSpMkLst>
-        </pc:cxnChg>
-        <pc:cxnChg chg="add del">
-          <ac:chgData name="Taylor Harbin" userId="S::tharbin3@students.kennesaw.edu::6c16d6ec-fd43-4e1c-a397-5e8e05eb50f6" providerId="AD" clId="Web-{BEE0BC10-BEA7-4EC0-AD68-DE157CB9AFF9}" dt="2020-12-04T18:33:35.648" v="26"/>
-          <ac:cxnSpMkLst>
-            <pc:docMk/>
-            <pc:sldMk cId="1316745424" sldId="256"/>
-            <ac:cxnSpMk id="155" creationId="{F6B36C06-EBC6-4357-8273-3A346133184D}"/>
-          </ac:cxnSpMkLst>
-        </pc:cxnChg>
-        <pc:cxnChg chg="add del">
-          <ac:chgData name="Taylor Harbin" userId="S::tharbin3@students.kennesaw.edu::6c16d6ec-fd43-4e1c-a397-5e8e05eb50f6" providerId="AD" clId="Web-{BEE0BC10-BEA7-4EC0-AD68-DE157CB9AFF9}" dt="2020-12-04T18:33:35.648" v="26"/>
-          <ac:cxnSpMkLst>
-            <pc:docMk/>
-            <pc:sldMk cId="1316745424" sldId="256"/>
-            <ac:cxnSpMk id="156" creationId="{76A2A7DA-2046-4C9B-9C49-92AE548B8CDD}"/>
-          </ac:cxnSpMkLst>
-        </pc:cxnChg>
-        <pc:cxnChg chg="add del">
-          <ac:chgData name="Taylor Harbin" userId="S::tharbin3@students.kennesaw.edu::6c16d6ec-fd43-4e1c-a397-5e8e05eb50f6" providerId="AD" clId="Web-{BEE0BC10-BEA7-4EC0-AD68-DE157CB9AFF9}" dt="2020-12-04T18:33:35.648" v="26"/>
-          <ac:cxnSpMkLst>
-            <pc:docMk/>
-            <pc:sldMk cId="1316745424" sldId="256"/>
-            <ac:cxnSpMk id="157" creationId="{80E2485D-753D-47D5-86D2-61010E6C166C}"/>
-          </ac:cxnSpMkLst>
-        </pc:cxnChg>
-        <pc:cxnChg chg="add del">
-          <ac:chgData name="Taylor Harbin" userId="S::tharbin3@students.kennesaw.edu::6c16d6ec-fd43-4e1c-a397-5e8e05eb50f6" providerId="AD" clId="Web-{BEE0BC10-BEA7-4EC0-AD68-DE157CB9AFF9}" dt="2020-12-04T18:33:40.913" v="28"/>
-          <ac:cxnSpMkLst>
-            <pc:docMk/>
-            <pc:sldMk cId="1316745424" sldId="256"/>
-            <ac:cxnSpMk id="160" creationId="{17E12B2D-1C6C-4602-A3C9-95E703D91062}"/>
-          </ac:cxnSpMkLst>
-        </pc:cxnChg>
-        <pc:cxnChg chg="add del">
-          <ac:chgData name="Taylor Harbin" userId="S::tharbin3@students.kennesaw.edu::6c16d6ec-fd43-4e1c-a397-5e8e05eb50f6" providerId="AD" clId="Web-{BEE0BC10-BEA7-4EC0-AD68-DE157CB9AFF9}" dt="2020-12-04T18:33:40.913" v="28"/>
-          <ac:cxnSpMkLst>
-            <pc:docMk/>
-            <pc:sldMk cId="1316745424" sldId="256"/>
-            <ac:cxnSpMk id="161" creationId="{76A2A7DA-2046-4C9B-9C49-92AE548B8CDD}"/>
-          </ac:cxnSpMkLst>
-        </pc:cxnChg>
-        <pc:cxnChg chg="add del">
-          <ac:chgData name="Taylor Harbin" userId="S::tharbin3@students.kennesaw.edu::6c16d6ec-fd43-4e1c-a397-5e8e05eb50f6" providerId="AD" clId="Web-{BEE0BC10-BEA7-4EC0-AD68-DE157CB9AFF9}" dt="2020-12-04T18:33:40.913" v="28"/>
-          <ac:cxnSpMkLst>
-            <pc:docMk/>
-            <pc:sldMk cId="1316745424" sldId="256"/>
-            <ac:cxnSpMk id="162" creationId="{F6B36C06-EBC6-4357-8273-3A346133184D}"/>
-          </ac:cxnSpMkLst>
-        </pc:cxnChg>
-        <pc:cxnChg chg="add del">
-          <ac:chgData name="Taylor Harbin" userId="S::tharbin3@students.kennesaw.edu::6c16d6ec-fd43-4e1c-a397-5e8e05eb50f6" providerId="AD" clId="Web-{BEE0BC10-BEA7-4EC0-AD68-DE157CB9AFF9}" dt="2020-12-04T18:33:44.866" v="30"/>
-          <ac:cxnSpMkLst>
-            <pc:docMk/>
-            <pc:sldMk cId="1316745424" sldId="256"/>
-            <ac:cxnSpMk id="164" creationId="{17E12B2D-1C6C-4602-A3C9-95E703D91062}"/>
-          </ac:cxnSpMkLst>
-        </pc:cxnChg>
-        <pc:cxnChg chg="add del">
-          <ac:chgData name="Taylor Harbin" userId="S::tharbin3@students.kennesaw.edu::6c16d6ec-fd43-4e1c-a397-5e8e05eb50f6" providerId="AD" clId="Web-{BEE0BC10-BEA7-4EC0-AD68-DE157CB9AFF9}" dt="2020-12-04T18:33:44.866" v="30"/>
-          <ac:cxnSpMkLst>
-            <pc:docMk/>
-            <pc:sldMk cId="1316745424" sldId="256"/>
-            <ac:cxnSpMk id="165" creationId="{F6B36C06-EBC6-4357-8273-3A346133184D}"/>
-          </ac:cxnSpMkLst>
-        </pc:cxnChg>
-        <pc:cxnChg chg="add del">
-          <ac:chgData name="Taylor Harbin" userId="S::tharbin3@students.kennesaw.edu::6c16d6ec-fd43-4e1c-a397-5e8e05eb50f6" providerId="AD" clId="Web-{BEE0BC10-BEA7-4EC0-AD68-DE157CB9AFF9}" dt="2020-12-04T18:33:44.866" v="30"/>
-          <ac:cxnSpMkLst>
-            <pc:docMk/>
-            <pc:sldMk cId="1316745424" sldId="256"/>
-            <ac:cxnSpMk id="166" creationId="{76A2A7DA-2046-4C9B-9C49-92AE548B8CDD}"/>
-          </ac:cxnSpMkLst>
-        </pc:cxnChg>
-        <pc:cxnChg chg="add del">
-          <ac:chgData name="Taylor Harbin" userId="S::tharbin3@students.kennesaw.edu::6c16d6ec-fd43-4e1c-a397-5e8e05eb50f6" providerId="AD" clId="Web-{BEE0BC10-BEA7-4EC0-AD68-DE157CB9AFF9}" dt="2020-12-04T18:33:44.866" v="30"/>
-          <ac:cxnSpMkLst>
-            <pc:docMk/>
-            <pc:sldMk cId="1316745424" sldId="256"/>
-            <ac:cxnSpMk id="167" creationId="{80E2485D-753D-47D5-86D2-61010E6C166C}"/>
-          </ac:cxnSpMkLst>
-        </pc:cxnChg>
-        <pc:cxnChg chg="add del">
-          <ac:chgData name="Taylor Harbin" userId="S::tharbin3@students.kennesaw.edu::6c16d6ec-fd43-4e1c-a397-5e8e05eb50f6" providerId="AD" clId="Web-{BEE0BC10-BEA7-4EC0-AD68-DE157CB9AFF9}" dt="2020-12-04T18:33:46.616" v="32"/>
-          <ac:cxnSpMkLst>
-            <pc:docMk/>
-            <pc:sldMk cId="1316745424" sldId="256"/>
-            <ac:cxnSpMk id="170" creationId="{17E12B2D-1C6C-4602-A3C9-95E703D91062}"/>
-          </ac:cxnSpMkLst>
-        </pc:cxnChg>
-        <pc:cxnChg chg="add del">
-          <ac:chgData name="Taylor Harbin" userId="S::tharbin3@students.kennesaw.edu::6c16d6ec-fd43-4e1c-a397-5e8e05eb50f6" providerId="AD" clId="Web-{BEE0BC10-BEA7-4EC0-AD68-DE157CB9AFF9}" dt="2020-12-04T18:33:46.616" v="32"/>
-          <ac:cxnSpMkLst>
-            <pc:docMk/>
-            <pc:sldMk cId="1316745424" sldId="256"/>
-            <ac:cxnSpMk id="171" creationId="{76A2A7DA-2046-4C9B-9C49-92AE548B8CDD}"/>
-          </ac:cxnSpMkLst>
-        </pc:cxnChg>
-        <pc:cxnChg chg="add del">
-          <ac:chgData name="Taylor Harbin" userId="S::tharbin3@students.kennesaw.edu::6c16d6ec-fd43-4e1c-a397-5e8e05eb50f6" providerId="AD" clId="Web-{BEE0BC10-BEA7-4EC0-AD68-DE157CB9AFF9}" dt="2020-12-04T18:33:46.616" v="32"/>
-          <ac:cxnSpMkLst>
-            <pc:docMk/>
-            <pc:sldMk cId="1316745424" sldId="256"/>
-            <ac:cxnSpMk id="172" creationId="{F6B36C06-EBC6-4357-8273-3A346133184D}"/>
-          </ac:cxnSpMkLst>
-        </pc:cxnChg>
-        <pc:cxnChg chg="add">
-          <ac:chgData name="Taylor Harbin" userId="S::tharbin3@students.kennesaw.edu::6c16d6ec-fd43-4e1c-a397-5e8e05eb50f6" providerId="AD" clId="Web-{BEE0BC10-BEA7-4EC0-AD68-DE157CB9AFF9}" dt="2020-12-04T18:33:46.616" v="33"/>
-          <ac:cxnSpMkLst>
-            <pc:docMk/>
-            <pc:sldMk cId="1316745424" sldId="256"/>
-            <ac:cxnSpMk id="174" creationId="{17E12B2D-1C6C-4602-A3C9-95E703D91062}"/>
-          </ac:cxnSpMkLst>
-        </pc:cxnChg>
-        <pc:cxnChg chg="add">
-          <ac:chgData name="Taylor Harbin" userId="S::tharbin3@students.kennesaw.edu::6c16d6ec-fd43-4e1c-a397-5e8e05eb50f6" providerId="AD" clId="Web-{BEE0BC10-BEA7-4EC0-AD68-DE157CB9AFF9}" dt="2020-12-04T18:33:46.616" v="33"/>
-          <ac:cxnSpMkLst>
-            <pc:docMk/>
-            <pc:sldMk cId="1316745424" sldId="256"/>
-            <ac:cxnSpMk id="175" creationId="{F6B36C06-EBC6-4357-8273-3A346133184D}"/>
-          </ac:cxnSpMkLst>
-        </pc:cxnChg>
-        <pc:cxnChg chg="add">
-          <ac:chgData name="Taylor Harbin" userId="S::tharbin3@students.kennesaw.edu::6c16d6ec-fd43-4e1c-a397-5e8e05eb50f6" providerId="AD" clId="Web-{BEE0BC10-BEA7-4EC0-AD68-DE157CB9AFF9}" dt="2020-12-04T18:33:46.616" v="33"/>
-          <ac:cxnSpMkLst>
-            <pc:docMk/>
-            <pc:sldMk cId="1316745424" sldId="256"/>
-            <ac:cxnSpMk id="176" creationId="{76A2A7DA-2046-4C9B-9C49-92AE548B8CDD}"/>
-          </ac:cxnSpMkLst>
-        </pc:cxnChg>
-        <pc:cxnChg chg="add">
-          <ac:chgData name="Taylor Harbin" userId="S::tharbin3@students.kennesaw.edu::6c16d6ec-fd43-4e1c-a397-5e8e05eb50f6" providerId="AD" clId="Web-{BEE0BC10-BEA7-4EC0-AD68-DE157CB9AFF9}" dt="2020-12-04T18:33:46.616" v="33"/>
-          <ac:cxnSpMkLst>
-            <pc:docMk/>
-            <pc:sldMk cId="1316745424" sldId="256"/>
-            <ac:cxnSpMk id="177" creationId="{80E2485D-753D-47D5-86D2-61010E6C166C}"/>
-          </ac:cxnSpMkLst>
-        </pc:cxnChg>
-      </pc:sldChg>
-    </pc:docChg>
-  </pc:docChgLst>
-</pc:chgInfo>
 </file>
 
 <file path=ppt/slideLayouts/slideLayout1.xml><?xml version="1.0" encoding="utf-8"?>
